--- a/project_capstone/ethan-capstone-presentation.pptx
+++ b/project_capstone/ethan-capstone-presentation.pptx
@@ -32691,7 +32691,7 @@
         </p:spPr>
         <p:txBody>
           <a:bodyPr>
-            <a:normAutofit fontScale="85000" lnSpcReduction="10000"/>
+            <a:normAutofit fontScale="85000" lnSpcReduction="20000"/>
           </a:bodyPr>
           <a:lstStyle/>
           <a:p>
@@ -32793,6 +32793,26 @@
               <a:rPr lang="en-GB" dirty="0"/>
               <a:t>Dropouts did not work as well, regularisation seems to perform better (and L2 is better than L1 regularisation)</a:t>
             </a:r>
+          </a:p>
+          <a:p>
+            <a:pPr lvl="1"/>
+            <a:r>
+              <a:rPr lang="en-GB" dirty="0"/>
+              <a:t>Ensemble </a:t>
+            </a:r>
+            <a:r>
+              <a:rPr lang="en-GB"/>
+              <a:t>method helps a lot </a:t>
+            </a:r>
+            <a:r>
+              <a:rPr lang="en-GB" dirty="0"/>
+              <a:t>too, but it is </a:t>
+            </a:r>
+            <a:r>
+              <a:rPr lang="en-GB"/>
+              <a:t>computationally expensive</a:t>
+            </a:r>
+            <a:endParaRPr lang="en-GB" dirty="0"/>
           </a:p>
           <a:p>
             <a:endParaRPr lang="en-GB" dirty="0"/>
